--- a/Project/Presentation/Data Science Presentation – What’s Cooking.pptx
+++ b/Project/Presentation/Data Science Presentation – What’s Cooking.pptx
@@ -202,7 +202,7 @@
             <a:fld id="{D170BFF6-A7CF-445C-86C1-589EE78C9168}" type="datetimeFigureOut">
               <a:rPr lang="nl-BE" smtClean="0"/>
               <a:pPr/>
-              <a:t>26/10/2015</a:t>
+              <a:t>27/10/2015</a:t>
             </a:fld>
             <a:endParaRPr lang="en-US"/>
           </a:p>
@@ -369,7 +369,7 @@
             <a:fld id="{04FDD724-382D-4C42-8D56-B77D2CD64F35}" type="datetimeFigureOut">
               <a:rPr lang="nl-BE" smtClean="0"/>
               <a:pPr/>
-              <a:t>26/10/2015</a:t>
+              <a:t>27/10/2015</a:t>
             </a:fld>
             <a:endParaRPr lang="nl-BE"/>
           </a:p>
@@ -5582,11 +5582,7 @@
             </a:pPr>
             <a:r>
               <a:rPr lang="en-US" sz="1800" b="0" dirty="0" smtClean="0"/>
-              <a:t>Evaluation metric: accuracy score, </a:t>
-            </a:r>
-            <a:r>
-              <a:rPr lang="en-US" sz="1800" b="0" dirty="0" smtClean="0"/>
-              <a:t>Result: Accuracy score 0.7198 (71.98%)</a:t>
+              <a:t>Evaluation metric: accuracy score, Result: Accuracy score 0.7198 (71.98%)</a:t>
             </a:r>
           </a:p>
           <a:p>
@@ -6880,13 +6876,7 @@
               <a:rPr lang="en-US" sz="1800" b="0" dirty="0">
                 <a:latin typeface="Calibri" panose="020F0502020204030204" pitchFamily="34" charset="0"/>
               </a:rPr>
-              <a:t>The strategy consists in fitting one classifier per class. For each classifier, the class is fitted against all the other </a:t>
-            </a:r>
-            <a:r>
-              <a:rPr lang="en-US" sz="1800" b="0" dirty="0">
-                <a:latin typeface="Calibri" panose="020F0502020204030204" pitchFamily="34" charset="0"/>
-              </a:rPr>
-              <a:t>classes.</a:t>
+              <a:t>The strategy consists in fitting one classifier per class. For each classifier, the class is fitted against all the other classes.</a:t>
             </a:r>
           </a:p>
           <a:p>
@@ -7641,8 +7631,13 @@
           <a:p>
             <a:r>
               <a:rPr lang="en-US" sz="1200" dirty="0" smtClean="0"/>
-              <a:t>Position: 88</a:t>
-            </a:r>
+              <a:t>Position</a:t>
+            </a:r>
+            <a:r>
+              <a:rPr lang="en-US" sz="1200" smtClean="0"/>
+              <a:t>: 96</a:t>
+            </a:r>
+            <a:endParaRPr lang="en-US" sz="1200" dirty="0" smtClean="0"/>
           </a:p>
           <a:p>
             <a:endParaRPr lang="en-GB" sz="1200" dirty="0" smtClean="0"/>
